--- a/projetDev.pptx
+++ b/projetDev.pptx
@@ -6334,6 +6334,19 @@
               <a:t>Communication « client to server » et « server to client »</a:t>
             </a:r>
           </a:p>
+          <a:p>
+            <a:r>
+              <a:rPr lang="fr-FR" sz="2700" dirty="0"/>
+              <a:t>Compétences:</a:t>
+            </a:r>
+          </a:p>
+          <a:p>
+            <a:pPr lvl="3"/>
+            <a:r>
+              <a:rPr lang="fr-FR" sz="2100" dirty="0"/>
+              <a:t>Adapter un projet déjà existant</a:t>
+            </a:r>
+          </a:p>
         </p:txBody>
       </p:sp>
       <p:sp>
@@ -7184,7 +7197,7 @@
           <a:p>
             <a:r>
               <a:rPr lang="fr-FR" sz="3200" dirty="0"/>
-              <a:t>Temps</a:t>
+              <a:t>Estimation temps et charge de travail</a:t>
             </a:r>
           </a:p>
           <a:p>

--- a/projetDev.pptx
+++ b/projetDev.pptx
@@ -5794,15 +5794,23 @@
             </a:pPr>
             <a:r>
               <a:rPr lang="fr-FR" sz="2900" dirty="0"/>
-              <a:t>Etudiants en 2</a:t>
-            </a:r>
-            <a:r>
-              <a:rPr lang="fr-FR" sz="2900" baseline="30000" dirty="0"/>
+              <a:t>Etudiants en </a:t>
+            </a:r>
+            <a:r>
+              <a:rPr lang="fr-FR" sz="2900"/>
+              <a:t>2</a:t>
+            </a:r>
+            <a:r>
+              <a:rPr lang="fr-FR" sz="2900" baseline="30000"/>
               <a:t>e</a:t>
             </a:r>
             <a:r>
+              <a:rPr lang="fr-FR" sz="2900"/>
+              <a:t> année </a:t>
+            </a:r>
+            <a:r>
               <a:rPr lang="fr-FR" sz="2900" dirty="0"/>
-              <a:t> années de </a:t>
+              <a:t>de </a:t>
             </a:r>
             <a:r>
               <a:rPr lang="fr-FR" sz="2900" dirty="0" err="1"/>
